--- a/cover.pptx
+++ b/cover.pptx
@@ -655,7 +655,7 @@
         <p:spPr>
           <a:xfrm>
             <a:off x="332656" y="1280592"/>
-            <a:ext cx="461665" cy="2169825"/>
+            <a:ext cx="461665" cy="5401479"/>
           </a:xfrm>
           <a:prstGeom prst="rect">
             <a:avLst/>
@@ -670,7 +670,7 @@
           <a:p>
             <a:r>
               <a:rPr lang="ja-JP" altLang="en-US" dirty="0"/>
-              <a:t>修士論文のタイトル</a:t>
+              <a:t>分子動力学シミュレーションによる共沸現象の解析</a:t>
             </a:r>
           </a:p>
         </p:txBody>
@@ -704,8 +704,8 @@
           <a:lstStyle/>
           <a:p>
             <a:r>
-              <a:rPr lang="ja-JP" altLang="en-US"/>
-              <a:t>修論各代</a:t>
+              <a:rPr lang="ja-JP" altLang="en-US" dirty="0"/>
+              <a:t>内藤翔太</a:t>
             </a:r>
           </a:p>
         </p:txBody>
@@ -725,7 +725,7 @@
         <p:spPr>
           <a:xfrm>
             <a:off x="2690759" y="2720752"/>
-            <a:ext cx="2274982" cy="369332"/>
+            <a:ext cx="2268570" cy="369332"/>
           </a:xfrm>
           <a:prstGeom prst="rect">
             <a:avLst/>
@@ -744,7 +744,7 @@
             </a:r>
             <a:r>
               <a:rPr kumimoji="1" lang="en-US" altLang="ja-JP" dirty="0"/>
-              <a:t>20XX</a:t>
+              <a:t>2022</a:t>
             </a:r>
             <a:r>
               <a:rPr kumimoji="1" lang="ja-JP" altLang="en-US" dirty="0"/>
@@ -768,7 +768,7 @@
         <p:spPr>
           <a:xfrm>
             <a:off x="1268760" y="3872880"/>
-            <a:ext cx="5112568" cy="400110"/>
+            <a:ext cx="5112568" cy="707886"/>
           </a:xfrm>
           <a:prstGeom prst="rect">
             <a:avLst/>
@@ -785,7 +785,19 @@
               <a:rPr lang="ja-JP" altLang="en-US" sz="2000" dirty="0">
                 <a:latin typeface="HaranoAjiMincho-Regular-Identity-H"/>
               </a:rPr>
-              <a:t>修士論文のタイトル</a:t>
+              <a:t>分子動力学シミュレーションによる</a:t>
+            </a:r>
+            <a:endParaRPr lang="en-US" altLang="ja-JP" sz="2000" dirty="0">
+              <a:latin typeface="HaranoAjiMincho-Regular-Identity-H"/>
+            </a:endParaRPr>
+          </a:p>
+          <a:p>
+            <a:pPr algn="ctr"/>
+            <a:r>
+              <a:rPr lang="ja-JP" altLang="en-US" sz="2000" dirty="0">
+                <a:latin typeface="HaranoAjiMincho-Regular-Identity-H"/>
+              </a:rPr>
+              <a:t>共沸現象の解析</a:t>
             </a:r>
             <a:endParaRPr lang="ja-JP" altLang="en-US" sz="2000" dirty="0"/>
           </a:p>
@@ -894,8 +906,8 @@
               <a:t>学籍番号</a:t>
             </a:r>
             <a:r>
-              <a:rPr kumimoji="1" lang="en-US" altLang="ja-JP" dirty="0"/>
-              <a:t> XXXXXXXX</a:t>
+              <a:rPr kumimoji="1" lang="en-US" altLang="ja-JP"/>
+              <a:t> 82112500</a:t>
             </a:r>
             <a:endParaRPr lang="ja-JP" altLang="en-US" dirty="0"/>
           </a:p>
@@ -930,7 +942,7 @@
           <a:p>
             <a:r>
               <a:rPr lang="ja-JP" altLang="en-US" sz="3200" dirty="0"/>
-              <a:t>修論各代</a:t>
+              <a:t>内藤翔太</a:t>
             </a:r>
           </a:p>
         </p:txBody>

--- a/cover.pptx
+++ b/cover.pptx
@@ -805,76 +805,6 @@
       </p:sp>
       <p:sp>
         <p:nvSpPr>
-          <p:cNvPr id="17" name="テキスト ボックス 16">
-            <a:extLst>
-              <a:ext uri="{FF2B5EF4-FFF2-40B4-BE49-F238E27FC236}">
-                <a16:creationId xmlns:a16="http://schemas.microsoft.com/office/drawing/2014/main" id="{14F1A2D9-4416-3D42-9141-46A1BECBE364}"/>
-              </a:ext>
-            </a:extLst>
-          </p:cNvPr>
-          <p:cNvSpPr txBox="1"/>
-          <p:nvPr/>
-        </p:nvSpPr>
-        <p:spPr>
-          <a:xfrm>
-            <a:off x="3040214" y="7113240"/>
-            <a:ext cx="1569660" cy="369332"/>
-          </a:xfrm>
-          <a:prstGeom prst="rect">
-            <a:avLst/>
-          </a:prstGeom>
-          <a:noFill/>
-        </p:spPr>
-        <p:txBody>
-          <a:bodyPr wrap="none" rtlCol="0">
-            <a:spAutoFit/>
-          </a:bodyPr>
-          <a:lstStyle/>
-          <a:p>
-            <a:r>
-              <a:rPr kumimoji="1" lang="ja-JP" altLang="en-US"/>
-              <a:t>慶應義塾大学</a:t>
-            </a:r>
-          </a:p>
-        </p:txBody>
-      </p:sp>
-      <p:sp>
-        <p:nvSpPr>
-          <p:cNvPr id="18" name="テキスト ボックス 17">
-            <a:extLst>
-              <a:ext uri="{FF2B5EF4-FFF2-40B4-BE49-F238E27FC236}">
-                <a16:creationId xmlns:a16="http://schemas.microsoft.com/office/drawing/2014/main" id="{A8CFD438-2DBA-9441-AAF8-0FB699C60E9A}"/>
-              </a:ext>
-            </a:extLst>
-          </p:cNvPr>
-          <p:cNvSpPr txBox="1"/>
-          <p:nvPr/>
-        </p:nvSpPr>
-        <p:spPr>
-          <a:xfrm>
-            <a:off x="2463133" y="7545288"/>
-            <a:ext cx="2723823" cy="369332"/>
-          </a:xfrm>
-          <a:prstGeom prst="rect">
-            <a:avLst/>
-          </a:prstGeom>
-          <a:noFill/>
-        </p:spPr>
-        <p:txBody>
-          <a:bodyPr wrap="none" rtlCol="0">
-            <a:spAutoFit/>
-          </a:bodyPr>
-          <a:lstStyle/>
-          <a:p>
-            <a:r>
-              <a:rPr kumimoji="1" lang="ja-JP" altLang="en-US"/>
-              <a:t>理工学部物理情報工学科</a:t>
-            </a:r>
-          </a:p>
-        </p:txBody>
-      </p:sp>
-      <p:sp>
-        <p:nvSpPr>
           <p:cNvPr id="19" name="テキスト ボックス 18">
             <a:extLst>
               <a:ext uri="{FF2B5EF4-FFF2-40B4-BE49-F238E27FC236}">
@@ -977,6 +907,269 @@
           </a:prstGeom>
         </p:spPr>
       </p:pic>
+      <p:sp>
+        <p:nvSpPr>
+          <p:cNvPr id="2" name="テキスト ボックス 16">
+            <a:extLst>
+              <a:ext uri="{FF2B5EF4-FFF2-40B4-BE49-F238E27FC236}">
+                <a16:creationId xmlns:a16="http://schemas.microsoft.com/office/drawing/2014/main" id="{14F1A2D9-4416-3D42-9141-46A1BECBE364}"/>
+              </a:ext>
+            </a:extLst>
+          </p:cNvPr>
+          <p:cNvSpPr txBox="1"/>
+          <p:nvPr/>
+        </p:nvSpPr>
+        <p:spPr>
+          <a:xfrm>
+            <a:off x="2754702" y="7068661"/>
+            <a:ext cx="2262158" cy="369332"/>
+          </a:xfrm>
+          <a:prstGeom prst="rect">
+            <a:avLst/>
+          </a:prstGeom>
+          <a:noFill/>
+        </p:spPr>
+        <p:txBody>
+          <a:bodyPr wrap="none" rtlCol="0">
+            <a:spAutoFit/>
+          </a:bodyPr>
+          <a:lstStyle>
+            <a:defPPr>
+              <a:defRPr lang="ja-JP"/>
+            </a:defPPr>
+            <a:lvl1pPr marL="0" algn="l" defTabSz="914400" rtl="0" eaLnBrk="1" latinLnBrk="0" hangingPunct="1">
+              <a:defRPr kumimoji="1" sz="1800" kern="1200">
+                <a:solidFill>
+                  <a:schemeClr val="tx1"/>
+                </a:solidFill>
+                <a:latin typeface="+mn-lt"/>
+                <a:ea typeface="+mn-ea"/>
+                <a:cs typeface="+mn-cs"/>
+              </a:defRPr>
+            </a:lvl1pPr>
+            <a:lvl2pPr marL="457200" algn="l" defTabSz="914400" rtl="0" eaLnBrk="1" latinLnBrk="0" hangingPunct="1">
+              <a:defRPr kumimoji="1" sz="1800" kern="1200">
+                <a:solidFill>
+                  <a:schemeClr val="tx1"/>
+                </a:solidFill>
+                <a:latin typeface="+mn-lt"/>
+                <a:ea typeface="+mn-ea"/>
+                <a:cs typeface="+mn-cs"/>
+              </a:defRPr>
+            </a:lvl2pPr>
+            <a:lvl3pPr marL="914400" algn="l" defTabSz="914400" rtl="0" eaLnBrk="1" latinLnBrk="0" hangingPunct="1">
+              <a:defRPr kumimoji="1" sz="1800" kern="1200">
+                <a:solidFill>
+                  <a:schemeClr val="tx1"/>
+                </a:solidFill>
+                <a:latin typeface="+mn-lt"/>
+                <a:ea typeface="+mn-ea"/>
+                <a:cs typeface="+mn-cs"/>
+              </a:defRPr>
+            </a:lvl3pPr>
+            <a:lvl4pPr marL="1371600" algn="l" defTabSz="914400" rtl="0" eaLnBrk="1" latinLnBrk="0" hangingPunct="1">
+              <a:defRPr kumimoji="1" sz="1800" kern="1200">
+                <a:solidFill>
+                  <a:schemeClr val="tx1"/>
+                </a:solidFill>
+                <a:latin typeface="+mn-lt"/>
+                <a:ea typeface="+mn-ea"/>
+                <a:cs typeface="+mn-cs"/>
+              </a:defRPr>
+            </a:lvl4pPr>
+            <a:lvl5pPr marL="1828800" algn="l" defTabSz="914400" rtl="0" eaLnBrk="1" latinLnBrk="0" hangingPunct="1">
+              <a:defRPr kumimoji="1" sz="1800" kern="1200">
+                <a:solidFill>
+                  <a:schemeClr val="tx1"/>
+                </a:solidFill>
+                <a:latin typeface="+mn-lt"/>
+                <a:ea typeface="+mn-ea"/>
+                <a:cs typeface="+mn-cs"/>
+              </a:defRPr>
+            </a:lvl5pPr>
+            <a:lvl6pPr marL="2286000" algn="l" defTabSz="914400" rtl="0" eaLnBrk="1" latinLnBrk="0" hangingPunct="1">
+              <a:defRPr kumimoji="1" sz="1800" kern="1200">
+                <a:solidFill>
+                  <a:schemeClr val="tx1"/>
+                </a:solidFill>
+                <a:latin typeface="+mn-lt"/>
+                <a:ea typeface="+mn-ea"/>
+                <a:cs typeface="+mn-cs"/>
+              </a:defRPr>
+            </a:lvl6pPr>
+            <a:lvl7pPr marL="2743200" algn="l" defTabSz="914400" rtl="0" eaLnBrk="1" latinLnBrk="0" hangingPunct="1">
+              <a:defRPr kumimoji="1" sz="1800" kern="1200">
+                <a:solidFill>
+                  <a:schemeClr val="tx1"/>
+                </a:solidFill>
+                <a:latin typeface="+mn-lt"/>
+                <a:ea typeface="+mn-ea"/>
+                <a:cs typeface="+mn-cs"/>
+              </a:defRPr>
+            </a:lvl7pPr>
+            <a:lvl8pPr marL="3200400" algn="l" defTabSz="914400" rtl="0" eaLnBrk="1" latinLnBrk="0" hangingPunct="1">
+              <a:defRPr kumimoji="1" sz="1800" kern="1200">
+                <a:solidFill>
+                  <a:schemeClr val="tx1"/>
+                </a:solidFill>
+                <a:latin typeface="+mn-lt"/>
+                <a:ea typeface="+mn-ea"/>
+                <a:cs typeface="+mn-cs"/>
+              </a:defRPr>
+            </a:lvl8pPr>
+            <a:lvl9pPr marL="3657600" algn="l" defTabSz="914400" rtl="0" eaLnBrk="1" latinLnBrk="0" hangingPunct="1">
+              <a:defRPr kumimoji="1" sz="1800" kern="1200">
+                <a:solidFill>
+                  <a:schemeClr val="tx1"/>
+                </a:solidFill>
+                <a:latin typeface="+mn-lt"/>
+                <a:ea typeface="+mn-ea"/>
+                <a:cs typeface="+mn-cs"/>
+              </a:defRPr>
+            </a:lvl9pPr>
+          </a:lstStyle>
+          <a:p>
+            <a:r>
+              <a:rPr kumimoji="1" lang="ja-JP" altLang="en-US"/>
+              <a:t>慶應義塾大学</a:t>
+            </a:r>
+            <a:r>
+              <a:rPr lang="ja-JP" altLang="en-US"/>
+              <a:t>大学院</a:t>
+            </a:r>
+            <a:endParaRPr kumimoji="1" lang="ja-JP" altLang="en-US"/>
+          </a:p>
+        </p:txBody>
+      </p:sp>
+      <p:sp>
+        <p:nvSpPr>
+          <p:cNvPr id="3" name="テキスト ボックス 17">
+            <a:extLst>
+              <a:ext uri="{FF2B5EF4-FFF2-40B4-BE49-F238E27FC236}">
+                <a16:creationId xmlns:a16="http://schemas.microsoft.com/office/drawing/2014/main" id="{A8CFD438-2DBA-9441-AAF8-0FB699C60E9A}"/>
+              </a:ext>
+            </a:extLst>
+          </p:cNvPr>
+          <p:cNvSpPr txBox="1"/>
+          <p:nvPr/>
+        </p:nvSpPr>
+        <p:spPr>
+          <a:xfrm>
+            <a:off x="2276872" y="7463988"/>
+            <a:ext cx="3185487" cy="369332"/>
+          </a:xfrm>
+          <a:prstGeom prst="rect">
+            <a:avLst/>
+          </a:prstGeom>
+          <a:noFill/>
+        </p:spPr>
+        <p:txBody>
+          <a:bodyPr wrap="none" rtlCol="0">
+            <a:spAutoFit/>
+          </a:bodyPr>
+          <a:lstStyle>
+            <a:defPPr>
+              <a:defRPr lang="ja-JP"/>
+            </a:defPPr>
+            <a:lvl1pPr marL="0" algn="l" defTabSz="914400" rtl="0" eaLnBrk="1" latinLnBrk="0" hangingPunct="1">
+              <a:defRPr kumimoji="1" sz="1800" kern="1200">
+                <a:solidFill>
+                  <a:schemeClr val="tx1"/>
+                </a:solidFill>
+                <a:latin typeface="+mn-lt"/>
+                <a:ea typeface="+mn-ea"/>
+                <a:cs typeface="+mn-cs"/>
+              </a:defRPr>
+            </a:lvl1pPr>
+            <a:lvl2pPr marL="457200" algn="l" defTabSz="914400" rtl="0" eaLnBrk="1" latinLnBrk="0" hangingPunct="1">
+              <a:defRPr kumimoji="1" sz="1800" kern="1200">
+                <a:solidFill>
+                  <a:schemeClr val="tx1"/>
+                </a:solidFill>
+                <a:latin typeface="+mn-lt"/>
+                <a:ea typeface="+mn-ea"/>
+                <a:cs typeface="+mn-cs"/>
+              </a:defRPr>
+            </a:lvl2pPr>
+            <a:lvl3pPr marL="914400" algn="l" defTabSz="914400" rtl="0" eaLnBrk="1" latinLnBrk="0" hangingPunct="1">
+              <a:defRPr kumimoji="1" sz="1800" kern="1200">
+                <a:solidFill>
+                  <a:schemeClr val="tx1"/>
+                </a:solidFill>
+                <a:latin typeface="+mn-lt"/>
+                <a:ea typeface="+mn-ea"/>
+                <a:cs typeface="+mn-cs"/>
+              </a:defRPr>
+            </a:lvl3pPr>
+            <a:lvl4pPr marL="1371600" algn="l" defTabSz="914400" rtl="0" eaLnBrk="1" latinLnBrk="0" hangingPunct="1">
+              <a:defRPr kumimoji="1" sz="1800" kern="1200">
+                <a:solidFill>
+                  <a:schemeClr val="tx1"/>
+                </a:solidFill>
+                <a:latin typeface="+mn-lt"/>
+                <a:ea typeface="+mn-ea"/>
+                <a:cs typeface="+mn-cs"/>
+              </a:defRPr>
+            </a:lvl4pPr>
+            <a:lvl5pPr marL="1828800" algn="l" defTabSz="914400" rtl="0" eaLnBrk="1" latinLnBrk="0" hangingPunct="1">
+              <a:defRPr kumimoji="1" sz="1800" kern="1200">
+                <a:solidFill>
+                  <a:schemeClr val="tx1"/>
+                </a:solidFill>
+                <a:latin typeface="+mn-lt"/>
+                <a:ea typeface="+mn-ea"/>
+                <a:cs typeface="+mn-cs"/>
+              </a:defRPr>
+            </a:lvl5pPr>
+            <a:lvl6pPr marL="2286000" algn="l" defTabSz="914400" rtl="0" eaLnBrk="1" latinLnBrk="0" hangingPunct="1">
+              <a:defRPr kumimoji="1" sz="1800" kern="1200">
+                <a:solidFill>
+                  <a:schemeClr val="tx1"/>
+                </a:solidFill>
+                <a:latin typeface="+mn-lt"/>
+                <a:ea typeface="+mn-ea"/>
+                <a:cs typeface="+mn-cs"/>
+              </a:defRPr>
+            </a:lvl6pPr>
+            <a:lvl7pPr marL="2743200" algn="l" defTabSz="914400" rtl="0" eaLnBrk="1" latinLnBrk="0" hangingPunct="1">
+              <a:defRPr kumimoji="1" sz="1800" kern="1200">
+                <a:solidFill>
+                  <a:schemeClr val="tx1"/>
+                </a:solidFill>
+                <a:latin typeface="+mn-lt"/>
+                <a:ea typeface="+mn-ea"/>
+                <a:cs typeface="+mn-cs"/>
+              </a:defRPr>
+            </a:lvl7pPr>
+            <a:lvl8pPr marL="3200400" algn="l" defTabSz="914400" rtl="0" eaLnBrk="1" latinLnBrk="0" hangingPunct="1">
+              <a:defRPr kumimoji="1" sz="1800" kern="1200">
+                <a:solidFill>
+                  <a:schemeClr val="tx1"/>
+                </a:solidFill>
+                <a:latin typeface="+mn-lt"/>
+                <a:ea typeface="+mn-ea"/>
+                <a:cs typeface="+mn-cs"/>
+              </a:defRPr>
+            </a:lvl8pPr>
+            <a:lvl9pPr marL="3657600" algn="l" defTabSz="914400" rtl="0" eaLnBrk="1" latinLnBrk="0" hangingPunct="1">
+              <a:defRPr kumimoji="1" sz="1800" kern="1200">
+                <a:solidFill>
+                  <a:schemeClr val="tx1"/>
+                </a:solidFill>
+                <a:latin typeface="+mn-lt"/>
+                <a:ea typeface="+mn-ea"/>
+                <a:cs typeface="+mn-cs"/>
+              </a:defRPr>
+            </a:lvl9pPr>
+          </a:lstStyle>
+          <a:p>
+            <a:r>
+              <a:rPr kumimoji="1" lang="ja-JP" altLang="en-US"/>
+              <a:t>理工学研究科基礎理工学専攻</a:t>
+            </a:r>
+          </a:p>
+        </p:txBody>
+      </p:sp>
     </p:spTree>
     <p:extLst>
       <p:ext uri="{BB962C8B-B14F-4D97-AF65-F5344CB8AC3E}">
